--- a/3160-Project_PowerPoint.pptx
+++ b/3160-Project_PowerPoint.pptx
@@ -21,8 +21,8 @@
     <p:sldId id="268" r:id="rId15"/>
     <p:sldId id="269" r:id="rId16"/>
     <p:sldId id="270" r:id="rId17"/>
-    <p:sldId id="274" r:id="rId18"/>
-    <p:sldId id="271" r:id="rId19"/>
+    <p:sldId id="271" r:id="rId18"/>
+    <p:sldId id="274" r:id="rId19"/>
     <p:sldId id="273" r:id="rId20"/>
     <p:sldId id="275" r:id="rId21"/>
   </p:sldIdLst>
@@ -123,6 +123,11 @@
       </a:defRPr>
     </a:lvl9pPr>
   </p:defaultTextStyle>
+  <p:extLst>
+    <p:ext uri="{EFAFB233-063F-42B5-8137-9DF3F51BA10A}">
+      <p15:sldGuideLst xmlns:p15="http://schemas.microsoft.com/office/powerpoint/2012/main"/>
+    </p:ext>
+  </p:extLst>
 </p:presentation>
 </file>
 
@@ -289,7 +294,7 @@
           <a:p>
             <a:fld id="{4D5CE994-7614-0249-8E75-6A409012A57E}" type="datetimeFigureOut">
               <a:rPr lang="en-US" smtClean="0"/>
-              <a:t>5/4/20</a:t>
+              <a:t>5/5/20</a:t>
             </a:fld>
             <a:endParaRPr lang="en-US"/>
           </a:p>
@@ -459,7 +464,7 @@
           <a:p>
             <a:fld id="{4D5CE994-7614-0249-8E75-6A409012A57E}" type="datetimeFigureOut">
               <a:rPr lang="en-US" smtClean="0"/>
-              <a:t>5/4/20</a:t>
+              <a:t>5/5/20</a:t>
             </a:fld>
             <a:endParaRPr lang="en-US"/>
           </a:p>
@@ -639,7 +644,7 @@
           <a:p>
             <a:fld id="{4D5CE994-7614-0249-8E75-6A409012A57E}" type="datetimeFigureOut">
               <a:rPr lang="en-US" smtClean="0"/>
-              <a:t>5/4/20</a:t>
+              <a:t>5/5/20</a:t>
             </a:fld>
             <a:endParaRPr lang="en-US"/>
           </a:p>
@@ -809,7 +814,7 @@
           <a:p>
             <a:fld id="{4D5CE994-7614-0249-8E75-6A409012A57E}" type="datetimeFigureOut">
               <a:rPr lang="en-US" smtClean="0"/>
-              <a:t>5/4/20</a:t>
+              <a:t>5/5/20</a:t>
             </a:fld>
             <a:endParaRPr lang="en-US"/>
           </a:p>
@@ -1077,7 +1082,7 @@
           <a:p>
             <a:fld id="{4D5CE994-7614-0249-8E75-6A409012A57E}" type="datetimeFigureOut">
               <a:rPr lang="en-US" smtClean="0"/>
-              <a:t>5/4/20</a:t>
+              <a:t>5/5/20</a:t>
             </a:fld>
             <a:endParaRPr lang="en-US"/>
           </a:p>
@@ -1309,7 +1314,7 @@
           <a:p>
             <a:fld id="{4D5CE994-7614-0249-8E75-6A409012A57E}" type="datetimeFigureOut">
               <a:rPr lang="en-US" smtClean="0"/>
-              <a:t>5/4/20</a:t>
+              <a:t>5/5/20</a:t>
             </a:fld>
             <a:endParaRPr lang="en-US"/>
           </a:p>
@@ -1668,7 +1673,7 @@
           <a:p>
             <a:fld id="{4D5CE994-7614-0249-8E75-6A409012A57E}" type="datetimeFigureOut">
               <a:rPr lang="en-US" smtClean="0"/>
-              <a:t>5/4/20</a:t>
+              <a:t>5/5/20</a:t>
             </a:fld>
             <a:endParaRPr lang="en-US"/>
           </a:p>
@@ -1809,7 +1814,7 @@
           <a:p>
             <a:fld id="{4D5CE994-7614-0249-8E75-6A409012A57E}" type="datetimeFigureOut">
               <a:rPr lang="en-US" smtClean="0"/>
-              <a:t>5/4/20</a:t>
+              <a:t>5/5/20</a:t>
             </a:fld>
             <a:endParaRPr lang="en-US"/>
           </a:p>
@@ -1904,7 +1909,7 @@
           <a:p>
             <a:fld id="{4D5CE994-7614-0249-8E75-6A409012A57E}" type="datetimeFigureOut">
               <a:rPr lang="en-US" smtClean="0"/>
-              <a:t>5/4/20</a:t>
+              <a:t>5/5/20</a:t>
             </a:fld>
             <a:endParaRPr lang="en-US"/>
           </a:p>
@@ -2261,7 +2266,7 @@
           <a:p>
             <a:fld id="{4D5CE994-7614-0249-8E75-6A409012A57E}" type="datetimeFigureOut">
               <a:rPr lang="en-US" smtClean="0"/>
-              <a:t>5/4/20</a:t>
+              <a:t>5/5/20</a:t>
             </a:fld>
             <a:endParaRPr lang="en-US"/>
           </a:p>
@@ -2618,7 +2623,7 @@
           <a:p>
             <a:fld id="{4D5CE994-7614-0249-8E75-6A409012A57E}" type="datetimeFigureOut">
               <a:rPr lang="en-US" smtClean="0"/>
-              <a:t>5/4/20</a:t>
+              <a:t>5/5/20</a:t>
             </a:fld>
             <a:endParaRPr lang="en-US"/>
           </a:p>
@@ -2860,7 +2865,7 @@
           <a:p>
             <a:fld id="{4D5CE994-7614-0249-8E75-6A409012A57E}" type="datetimeFigureOut">
               <a:rPr lang="en-US" smtClean="0"/>
-              <a:t>5/4/20</a:t>
+              <a:t>5/5/20</a:t>
             </a:fld>
             <a:endParaRPr lang="en-US"/>
           </a:p>
@@ -4600,7 +4605,7 @@
           <a:p>
             <a:r>
               <a:rPr lang="en-US" dirty="0"/>
-              <a:t>Trigger</a:t>
+              <a:t>ADVANCED VIEWS</a:t>
             </a:r>
           </a:p>
         </p:txBody>
@@ -4619,7 +4624,7 @@
         </p:nvSpPr>
         <p:spPr>
           <a:xfrm>
-            <a:off x="2455164" y="1502413"/>
+            <a:off x="2455164" y="1450691"/>
             <a:ext cx="7264400" cy="830997"/>
           </a:xfrm>
           <a:prstGeom prst="rect">
@@ -4645,18 +4650,18 @@
           <a:lstStyle/>
           <a:p>
             <a:r>
-              <a:rPr lang="en-US" sz="2400" dirty="0"/>
-              <a:t>This trigger adds the word stars to the rating number every time a new rating is added.</a:t>
+              <a:rPr lang="en-US" sz="1600" dirty="0"/>
+              <a:t>This query gives you the name of the person who received a delivery, the person id, the location where the delivery was made, the delivery time, and the driver, where the person id is between 0 and 30.</a:t>
             </a:r>
           </a:p>
         </p:txBody>
       </p:sp>
       <p:pic>
         <p:nvPicPr>
-          <p:cNvPr id="7" name="Content Placeholder 6" descr="A screenshot of a cell phone&#10;&#10;Description automatically generated">
+          <p:cNvPr id="7" name="Content Placeholder 6" descr="A screenshot of a social media post&#10;&#10;Description automatically generated">
             <a:extLst>
               <a:ext uri="{FF2B5EF4-FFF2-40B4-BE49-F238E27FC236}">
-                <a16:creationId xmlns:a16="http://schemas.microsoft.com/office/drawing/2014/main" id="{18167E4A-4FBD-2C43-B45C-8C75A170D405}"/>
+                <a16:creationId xmlns:a16="http://schemas.microsoft.com/office/drawing/2014/main" id="{9BEC37D1-2597-B44C-985F-4DE68AFB022A}"/>
               </a:ext>
             </a:extLst>
           </p:cNvPr>
@@ -4675,8 +4680,8 @@
         </p:blipFill>
         <p:spPr>
           <a:xfrm>
-            <a:off x="3316637" y="3053166"/>
-            <a:ext cx="5796366" cy="2820692"/>
+            <a:off x="2222500" y="2395221"/>
+            <a:ext cx="7729728" cy="4178808"/>
           </a:xfrm>
           <a:ln>
             <a:solidFill>
@@ -4690,7 +4695,7 @@
     </p:spTree>
     <p:extLst>
       <p:ext uri="{BB962C8B-B14F-4D97-AF65-F5344CB8AC3E}">
-        <p14:creationId xmlns:p14="http://schemas.microsoft.com/office/powerpoint/2010/main" val="3393819104"/>
+        <p14:creationId xmlns:p14="http://schemas.microsoft.com/office/powerpoint/2010/main" val="3575984792"/>
       </p:ext>
     </p:extLst>
   </p:cSld>
@@ -4757,7 +4762,7 @@
           <a:p>
             <a:r>
               <a:rPr lang="en-US" dirty="0"/>
-              <a:t>ADVANCED VIEWS</a:t>
+              <a:t>Trigger</a:t>
             </a:r>
           </a:p>
         </p:txBody>
@@ -4776,7 +4781,7 @@
         </p:nvSpPr>
         <p:spPr>
           <a:xfrm>
-            <a:off x="2455164" y="1450691"/>
+            <a:off x="2455164" y="1502413"/>
             <a:ext cx="7264400" cy="830997"/>
           </a:xfrm>
           <a:prstGeom prst="rect">
@@ -4802,18 +4807,18 @@
           <a:lstStyle/>
           <a:p>
             <a:r>
-              <a:rPr lang="en-US" sz="1600" dirty="0"/>
-              <a:t>This query gives you the name of the person who received a delivery, the person id, the location where the delivery was made, the delivery time, and the driver, where the person id is between 0 and 30.</a:t>
+              <a:rPr lang="en-US" sz="2400" dirty="0"/>
+              <a:t>This trigger adds the word stars to the rating number every time a new rating is added.</a:t>
             </a:r>
           </a:p>
         </p:txBody>
       </p:sp>
       <p:pic>
         <p:nvPicPr>
-          <p:cNvPr id="7" name="Content Placeholder 6" descr="A screenshot of a social media post&#10;&#10;Description automatically generated">
+          <p:cNvPr id="7" name="Content Placeholder 6" descr="A screenshot of a cell phone&#10;&#10;Description automatically generated">
             <a:extLst>
               <a:ext uri="{FF2B5EF4-FFF2-40B4-BE49-F238E27FC236}">
-                <a16:creationId xmlns:a16="http://schemas.microsoft.com/office/drawing/2014/main" id="{9BEC37D1-2597-B44C-985F-4DE68AFB022A}"/>
+                <a16:creationId xmlns:a16="http://schemas.microsoft.com/office/drawing/2014/main" id="{18167E4A-4FBD-2C43-B45C-8C75A170D405}"/>
               </a:ext>
             </a:extLst>
           </p:cNvPr>
@@ -4832,8 +4837,8 @@
         </p:blipFill>
         <p:spPr>
           <a:xfrm>
-            <a:off x="2222500" y="2395221"/>
-            <a:ext cx="7729728" cy="4178808"/>
+            <a:off x="3316637" y="3053166"/>
+            <a:ext cx="5796366" cy="2820692"/>
           </a:xfrm>
           <a:ln>
             <a:solidFill>
@@ -4847,7 +4852,7 @@
     </p:spTree>
     <p:extLst>
       <p:ext uri="{BB962C8B-B14F-4D97-AF65-F5344CB8AC3E}">
-        <p14:creationId xmlns:p14="http://schemas.microsoft.com/office/powerpoint/2010/main" val="3575984792"/>
+        <p14:creationId xmlns:p14="http://schemas.microsoft.com/office/powerpoint/2010/main" val="3393819104"/>
       </p:ext>
     </p:extLst>
   </p:cSld>
